--- a/Offline/BusinessManagement/Marketing/MarketingArtworks/PPTX/PrintNow/Flyer-Gen-halfA4-20kPc.pptx
+++ b/Offline/BusinessManagement/Marketing/MarketingArtworks/PPTX/PrintNow/Flyer-Gen-halfA4-20kPc.pptx
@@ -243,7 +243,7 @@
           <a:p>
             <a:fld id="{E3759604-EFD2-4C79-BE13-E71CA39EA512}" type="datetimeFigureOut">
               <a:rPr lang="en-US" smtClean="0"/>
-              <a:t>8/16/2023</a:t>
+              <a:t>11/24/2023</a:t>
             </a:fld>
             <a:endParaRPr lang="en-US"/>
           </a:p>
@@ -413,7 +413,7 @@
           <a:p>
             <a:fld id="{E3759604-EFD2-4C79-BE13-E71CA39EA512}" type="datetimeFigureOut">
               <a:rPr lang="en-US" smtClean="0"/>
-              <a:t>8/16/2023</a:t>
+              <a:t>11/24/2023</a:t>
             </a:fld>
             <a:endParaRPr lang="en-US"/>
           </a:p>
@@ -593,7 +593,7 @@
           <a:p>
             <a:fld id="{E3759604-EFD2-4C79-BE13-E71CA39EA512}" type="datetimeFigureOut">
               <a:rPr lang="en-US" smtClean="0"/>
-              <a:t>8/16/2023</a:t>
+              <a:t>11/24/2023</a:t>
             </a:fld>
             <a:endParaRPr lang="en-US"/>
           </a:p>
@@ -763,7 +763,7 @@
           <a:p>
             <a:fld id="{E3759604-EFD2-4C79-BE13-E71CA39EA512}" type="datetimeFigureOut">
               <a:rPr lang="en-US" smtClean="0"/>
-              <a:t>8/16/2023</a:t>
+              <a:t>11/24/2023</a:t>
             </a:fld>
             <a:endParaRPr lang="en-US"/>
           </a:p>
@@ -1007,7 +1007,7 @@
           <a:p>
             <a:fld id="{E3759604-EFD2-4C79-BE13-E71CA39EA512}" type="datetimeFigureOut">
               <a:rPr lang="en-US" smtClean="0"/>
-              <a:t>8/16/2023</a:t>
+              <a:t>11/24/2023</a:t>
             </a:fld>
             <a:endParaRPr lang="en-US"/>
           </a:p>
@@ -1239,7 +1239,7 @@
           <a:p>
             <a:fld id="{E3759604-EFD2-4C79-BE13-E71CA39EA512}" type="datetimeFigureOut">
               <a:rPr lang="en-US" smtClean="0"/>
-              <a:t>8/16/2023</a:t>
+              <a:t>11/24/2023</a:t>
             </a:fld>
             <a:endParaRPr lang="en-US"/>
           </a:p>
@@ -1606,7 +1606,7 @@
           <a:p>
             <a:fld id="{E3759604-EFD2-4C79-BE13-E71CA39EA512}" type="datetimeFigureOut">
               <a:rPr lang="en-US" smtClean="0"/>
-              <a:t>8/16/2023</a:t>
+              <a:t>11/24/2023</a:t>
             </a:fld>
             <a:endParaRPr lang="en-US"/>
           </a:p>
@@ -1724,7 +1724,7 @@
           <a:p>
             <a:fld id="{E3759604-EFD2-4C79-BE13-E71CA39EA512}" type="datetimeFigureOut">
               <a:rPr lang="en-US" smtClean="0"/>
-              <a:t>8/16/2023</a:t>
+              <a:t>11/24/2023</a:t>
             </a:fld>
             <a:endParaRPr lang="en-US"/>
           </a:p>
@@ -1819,7 +1819,7 @@
           <a:p>
             <a:fld id="{E3759604-EFD2-4C79-BE13-E71CA39EA512}" type="datetimeFigureOut">
               <a:rPr lang="en-US" smtClean="0"/>
-              <a:t>8/16/2023</a:t>
+              <a:t>11/24/2023</a:t>
             </a:fld>
             <a:endParaRPr lang="en-US"/>
           </a:p>
@@ -2096,7 +2096,7 @@
           <a:p>
             <a:fld id="{E3759604-EFD2-4C79-BE13-E71CA39EA512}" type="datetimeFigureOut">
               <a:rPr lang="en-US" smtClean="0"/>
-              <a:t>8/16/2023</a:t>
+              <a:t>11/24/2023</a:t>
             </a:fld>
             <a:endParaRPr lang="en-US"/>
           </a:p>
@@ -2353,7 +2353,7 @@
           <a:p>
             <a:fld id="{E3759604-EFD2-4C79-BE13-E71CA39EA512}" type="datetimeFigureOut">
               <a:rPr lang="en-US" smtClean="0"/>
-              <a:t>8/16/2023</a:t>
+              <a:t>11/24/2023</a:t>
             </a:fld>
             <a:endParaRPr lang="en-US"/>
           </a:p>
@@ -2566,7 +2566,7 @@
           <a:p>
             <a:fld id="{E3759604-EFD2-4C79-BE13-E71CA39EA512}" type="datetimeFigureOut">
               <a:rPr lang="en-US" smtClean="0"/>
-              <a:t>8/16/2023</a:t>
+              <a:t>11/24/2023</a:t>
             </a:fld>
             <a:endParaRPr lang="en-US"/>
           </a:p>
